--- a/MigratoryStationary/DesignSchematic/Sta_Experiment_Schem3.pptx
+++ b/MigratoryStationary/DesignSchematic/Sta_Experiment_Schem3.pptx
@@ -108,6 +108,22 @@
       </a:defRPr>
     </a:lvl9pPr>
   </p:defaultTextStyle>
+  <p:extLst>
+    <p:ext uri="{EFAFB233-063F-42B5-8137-9DF3F51BA10A}">
+      <p15:sldGuideLst xmlns:p15="http://schemas.microsoft.com/office/powerpoint/2012/main">
+        <p15:guide id="1" orient="horz" pos="2160">
+          <p15:clr>
+            <a:srgbClr val="A4A3A4"/>
+          </p15:clr>
+        </p15:guide>
+        <p15:guide id="2" pos="3840">
+          <p15:clr>
+            <a:srgbClr val="A4A3A4"/>
+          </p15:clr>
+        </p15:guide>
+      </p15:sldGuideLst>
+    </p:ext>
+  </p:extLst>
 </p:presentation>
 </file>
 
@@ -153,10 +169,9 @@
           </a:lstStyle>
           <a:p>
             <a:r>
-              <a:rPr lang="en-US" smtClean="0"/>
+              <a:rPr lang="en-US"/>
               <a:t>Click to edit Master title style</a:t>
             </a:r>
-            <a:endParaRPr lang="en-US"/>
           </a:p>
         </p:txBody>
       </p:sp>
@@ -218,10 +233,9 @@
           </a:lstStyle>
           <a:p>
             <a:r>
-              <a:rPr lang="en-US" smtClean="0"/>
+              <a:rPr lang="en-US"/>
               <a:t>Click to edit Master subtitle style</a:t>
             </a:r>
-            <a:endParaRPr lang="en-US"/>
           </a:p>
         </p:txBody>
       </p:sp>
@@ -242,7 +256,7 @@
           <a:p>
             <a:fld id="{31CDC68C-EC45-C548-8159-BEDE9C5987EE}" type="datetimeFigureOut">
               <a:rPr lang="en-US" smtClean="0"/>
-              <a:t>10/27/17</a:t>
+              <a:t>7/22/18</a:t>
             </a:fld>
             <a:endParaRPr lang="en-US"/>
           </a:p>
@@ -336,10 +350,9 @@
           <a:lstStyle/>
           <a:p>
             <a:r>
-              <a:rPr lang="en-US" smtClean="0"/>
+              <a:rPr lang="en-US"/>
               <a:t>Click to edit Master title style</a:t>
             </a:r>
-            <a:endParaRPr lang="en-US"/>
           </a:p>
         </p:txBody>
       </p:sp>
@@ -360,38 +373,37 @@
           <a:p>
             <a:pPr lvl="0"/>
             <a:r>
-              <a:rPr lang="en-US" smtClean="0"/>
+              <a:rPr lang="en-US"/>
               <a:t>Click to edit Master text styles</a:t>
             </a:r>
           </a:p>
           <a:p>
             <a:pPr lvl="1"/>
             <a:r>
-              <a:rPr lang="en-US" smtClean="0"/>
+              <a:rPr lang="en-US"/>
               <a:t>Second level</a:t>
             </a:r>
           </a:p>
           <a:p>
             <a:pPr lvl="2"/>
             <a:r>
-              <a:rPr lang="en-US" smtClean="0"/>
+              <a:rPr lang="en-US"/>
               <a:t>Third level</a:t>
             </a:r>
           </a:p>
           <a:p>
             <a:pPr lvl="3"/>
             <a:r>
-              <a:rPr lang="en-US" smtClean="0"/>
+              <a:rPr lang="en-US"/>
               <a:t>Fourth level</a:t>
             </a:r>
           </a:p>
           <a:p>
             <a:pPr lvl="4"/>
             <a:r>
-              <a:rPr lang="en-US" smtClean="0"/>
+              <a:rPr lang="en-US"/>
               <a:t>Fifth level</a:t>
             </a:r>
-            <a:endParaRPr lang="en-US"/>
           </a:p>
         </p:txBody>
       </p:sp>
@@ -412,7 +424,7 @@
           <a:p>
             <a:fld id="{31CDC68C-EC45-C548-8159-BEDE9C5987EE}" type="datetimeFigureOut">
               <a:rPr lang="en-US" smtClean="0"/>
-              <a:t>10/27/17</a:t>
+              <a:t>7/22/18</a:t>
             </a:fld>
             <a:endParaRPr lang="en-US"/>
           </a:p>
@@ -511,10 +523,9 @@
           <a:lstStyle/>
           <a:p>
             <a:r>
-              <a:rPr lang="en-US" smtClean="0"/>
+              <a:rPr lang="en-US"/>
               <a:t>Click to edit Master title style</a:t>
             </a:r>
-            <a:endParaRPr lang="en-US"/>
           </a:p>
         </p:txBody>
       </p:sp>
@@ -540,38 +551,37 @@
           <a:p>
             <a:pPr lvl="0"/>
             <a:r>
-              <a:rPr lang="en-US" smtClean="0"/>
+              <a:rPr lang="en-US"/>
               <a:t>Click to edit Master text styles</a:t>
             </a:r>
           </a:p>
           <a:p>
             <a:pPr lvl="1"/>
             <a:r>
-              <a:rPr lang="en-US" smtClean="0"/>
+              <a:rPr lang="en-US"/>
               <a:t>Second level</a:t>
             </a:r>
           </a:p>
           <a:p>
             <a:pPr lvl="2"/>
             <a:r>
-              <a:rPr lang="en-US" smtClean="0"/>
+              <a:rPr lang="en-US"/>
               <a:t>Third level</a:t>
             </a:r>
           </a:p>
           <a:p>
             <a:pPr lvl="3"/>
             <a:r>
-              <a:rPr lang="en-US" smtClean="0"/>
+              <a:rPr lang="en-US"/>
               <a:t>Fourth level</a:t>
             </a:r>
           </a:p>
           <a:p>
             <a:pPr lvl="4"/>
             <a:r>
-              <a:rPr lang="en-US" smtClean="0"/>
+              <a:rPr lang="en-US"/>
               <a:t>Fifth level</a:t>
             </a:r>
-            <a:endParaRPr lang="en-US"/>
           </a:p>
         </p:txBody>
       </p:sp>
@@ -592,7 +602,7 @@
           <a:p>
             <a:fld id="{31CDC68C-EC45-C548-8159-BEDE9C5987EE}" type="datetimeFigureOut">
               <a:rPr lang="en-US" smtClean="0"/>
-              <a:t>10/27/17</a:t>
+              <a:t>7/22/18</a:t>
             </a:fld>
             <a:endParaRPr lang="en-US"/>
           </a:p>
@@ -686,10 +696,9 @@
           <a:lstStyle/>
           <a:p>
             <a:r>
-              <a:rPr lang="en-US" smtClean="0"/>
+              <a:rPr lang="en-US"/>
               <a:t>Click to edit Master title style</a:t>
             </a:r>
-            <a:endParaRPr lang="en-US"/>
           </a:p>
         </p:txBody>
       </p:sp>
@@ -710,38 +719,37 @@
           <a:p>
             <a:pPr lvl="0"/>
             <a:r>
-              <a:rPr lang="en-US" smtClean="0"/>
+              <a:rPr lang="en-US"/>
               <a:t>Click to edit Master text styles</a:t>
             </a:r>
           </a:p>
           <a:p>
             <a:pPr lvl="1"/>
             <a:r>
-              <a:rPr lang="en-US" smtClean="0"/>
+              <a:rPr lang="en-US"/>
               <a:t>Second level</a:t>
             </a:r>
           </a:p>
           <a:p>
             <a:pPr lvl="2"/>
             <a:r>
-              <a:rPr lang="en-US" smtClean="0"/>
+              <a:rPr lang="en-US"/>
               <a:t>Third level</a:t>
             </a:r>
           </a:p>
           <a:p>
             <a:pPr lvl="3"/>
             <a:r>
-              <a:rPr lang="en-US" smtClean="0"/>
+              <a:rPr lang="en-US"/>
               <a:t>Fourth level</a:t>
             </a:r>
           </a:p>
           <a:p>
             <a:pPr lvl="4"/>
             <a:r>
-              <a:rPr lang="en-US" smtClean="0"/>
+              <a:rPr lang="en-US"/>
               <a:t>Fifth level</a:t>
             </a:r>
-            <a:endParaRPr lang="en-US"/>
           </a:p>
         </p:txBody>
       </p:sp>
@@ -762,7 +770,7 @@
           <a:p>
             <a:fld id="{31CDC68C-EC45-C548-8159-BEDE9C5987EE}" type="datetimeFigureOut">
               <a:rPr lang="en-US" smtClean="0"/>
-              <a:t>10/27/17</a:t>
+              <a:t>7/22/18</a:t>
             </a:fld>
             <a:endParaRPr lang="en-US"/>
           </a:p>
@@ -865,10 +873,9 @@
           </a:lstStyle>
           <a:p>
             <a:r>
-              <a:rPr lang="en-US" smtClean="0"/>
+              <a:rPr lang="en-US"/>
               <a:t>Click to edit Master title style</a:t>
             </a:r>
-            <a:endParaRPr lang="en-US"/>
           </a:p>
         </p:txBody>
       </p:sp>
@@ -985,7 +992,7 @@
           <a:p>
             <a:pPr lvl="0"/>
             <a:r>
-              <a:rPr lang="en-US" smtClean="0"/>
+              <a:rPr lang="en-US"/>
               <a:t>Click to edit Master text styles</a:t>
             </a:r>
           </a:p>
@@ -1008,7 +1015,7 @@
           <a:p>
             <a:fld id="{31CDC68C-EC45-C548-8159-BEDE9C5987EE}" type="datetimeFigureOut">
               <a:rPr lang="en-US" smtClean="0"/>
-              <a:t>10/27/17</a:t>
+              <a:t>7/22/18</a:t>
             </a:fld>
             <a:endParaRPr lang="en-US"/>
           </a:p>
@@ -1102,10 +1109,9 @@
           <a:lstStyle/>
           <a:p>
             <a:r>
-              <a:rPr lang="en-US" smtClean="0"/>
+              <a:rPr lang="en-US"/>
               <a:t>Click to edit Master title style</a:t>
             </a:r>
-            <a:endParaRPr lang="en-US"/>
           </a:p>
         </p:txBody>
       </p:sp>
@@ -1131,38 +1137,37 @@
           <a:p>
             <a:pPr lvl="0"/>
             <a:r>
-              <a:rPr lang="en-US" smtClean="0"/>
+              <a:rPr lang="en-US"/>
               <a:t>Click to edit Master text styles</a:t>
             </a:r>
           </a:p>
           <a:p>
             <a:pPr lvl="1"/>
             <a:r>
-              <a:rPr lang="en-US" smtClean="0"/>
+              <a:rPr lang="en-US"/>
               <a:t>Second level</a:t>
             </a:r>
           </a:p>
           <a:p>
             <a:pPr lvl="2"/>
             <a:r>
-              <a:rPr lang="en-US" smtClean="0"/>
+              <a:rPr lang="en-US"/>
               <a:t>Third level</a:t>
             </a:r>
           </a:p>
           <a:p>
             <a:pPr lvl="3"/>
             <a:r>
-              <a:rPr lang="en-US" smtClean="0"/>
+              <a:rPr lang="en-US"/>
               <a:t>Fourth level</a:t>
             </a:r>
           </a:p>
           <a:p>
             <a:pPr lvl="4"/>
             <a:r>
-              <a:rPr lang="en-US" smtClean="0"/>
+              <a:rPr lang="en-US"/>
               <a:t>Fifth level</a:t>
             </a:r>
-            <a:endParaRPr lang="en-US"/>
           </a:p>
         </p:txBody>
       </p:sp>
@@ -1188,38 +1193,37 @@
           <a:p>
             <a:pPr lvl="0"/>
             <a:r>
-              <a:rPr lang="en-US" smtClean="0"/>
+              <a:rPr lang="en-US"/>
               <a:t>Click to edit Master text styles</a:t>
             </a:r>
           </a:p>
           <a:p>
             <a:pPr lvl="1"/>
             <a:r>
-              <a:rPr lang="en-US" smtClean="0"/>
+              <a:rPr lang="en-US"/>
               <a:t>Second level</a:t>
             </a:r>
           </a:p>
           <a:p>
             <a:pPr lvl="2"/>
             <a:r>
-              <a:rPr lang="en-US" smtClean="0"/>
+              <a:rPr lang="en-US"/>
               <a:t>Third level</a:t>
             </a:r>
           </a:p>
           <a:p>
             <a:pPr lvl="3"/>
             <a:r>
-              <a:rPr lang="en-US" smtClean="0"/>
+              <a:rPr lang="en-US"/>
               <a:t>Fourth level</a:t>
             </a:r>
           </a:p>
           <a:p>
             <a:pPr lvl="4"/>
             <a:r>
-              <a:rPr lang="en-US" smtClean="0"/>
+              <a:rPr lang="en-US"/>
               <a:t>Fifth level</a:t>
             </a:r>
-            <a:endParaRPr lang="en-US"/>
           </a:p>
         </p:txBody>
       </p:sp>
@@ -1240,7 +1244,7 @@
           <a:p>
             <a:fld id="{31CDC68C-EC45-C548-8159-BEDE9C5987EE}" type="datetimeFigureOut">
               <a:rPr lang="en-US" smtClean="0"/>
-              <a:t>10/27/17</a:t>
+              <a:t>7/22/18</a:t>
             </a:fld>
             <a:endParaRPr lang="en-US"/>
           </a:p>
@@ -1339,10 +1343,9 @@
           <a:lstStyle/>
           <a:p>
             <a:r>
-              <a:rPr lang="en-US" smtClean="0"/>
+              <a:rPr lang="en-US"/>
               <a:t>Click to edit Master title style</a:t>
             </a:r>
-            <a:endParaRPr lang="en-US"/>
           </a:p>
         </p:txBody>
       </p:sp>
@@ -1405,7 +1408,7 @@
           <a:p>
             <a:pPr lvl="0"/>
             <a:r>
-              <a:rPr lang="en-US" smtClean="0"/>
+              <a:rPr lang="en-US"/>
               <a:t>Click to edit Master text styles</a:t>
             </a:r>
           </a:p>
@@ -1433,38 +1436,37 @@
           <a:p>
             <a:pPr lvl="0"/>
             <a:r>
-              <a:rPr lang="en-US" smtClean="0"/>
+              <a:rPr lang="en-US"/>
               <a:t>Click to edit Master text styles</a:t>
             </a:r>
           </a:p>
           <a:p>
             <a:pPr lvl="1"/>
             <a:r>
-              <a:rPr lang="en-US" smtClean="0"/>
+              <a:rPr lang="en-US"/>
               <a:t>Second level</a:t>
             </a:r>
           </a:p>
           <a:p>
             <a:pPr lvl="2"/>
             <a:r>
-              <a:rPr lang="en-US" smtClean="0"/>
+              <a:rPr lang="en-US"/>
               <a:t>Third level</a:t>
             </a:r>
           </a:p>
           <a:p>
             <a:pPr lvl="3"/>
             <a:r>
-              <a:rPr lang="en-US" smtClean="0"/>
+              <a:rPr lang="en-US"/>
               <a:t>Fourth level</a:t>
             </a:r>
           </a:p>
           <a:p>
             <a:pPr lvl="4"/>
             <a:r>
-              <a:rPr lang="en-US" smtClean="0"/>
+              <a:rPr lang="en-US"/>
               <a:t>Fifth level</a:t>
             </a:r>
-            <a:endParaRPr lang="en-US"/>
           </a:p>
         </p:txBody>
       </p:sp>
@@ -1527,7 +1529,7 @@
           <a:p>
             <a:pPr lvl="0"/>
             <a:r>
-              <a:rPr lang="en-US" smtClean="0"/>
+              <a:rPr lang="en-US"/>
               <a:t>Click to edit Master text styles</a:t>
             </a:r>
           </a:p>
@@ -1555,38 +1557,37 @@
           <a:p>
             <a:pPr lvl="0"/>
             <a:r>
-              <a:rPr lang="en-US" smtClean="0"/>
+              <a:rPr lang="en-US"/>
               <a:t>Click to edit Master text styles</a:t>
             </a:r>
           </a:p>
           <a:p>
             <a:pPr lvl="1"/>
             <a:r>
-              <a:rPr lang="en-US" smtClean="0"/>
+              <a:rPr lang="en-US"/>
               <a:t>Second level</a:t>
             </a:r>
           </a:p>
           <a:p>
             <a:pPr lvl="2"/>
             <a:r>
-              <a:rPr lang="en-US" smtClean="0"/>
+              <a:rPr lang="en-US"/>
               <a:t>Third level</a:t>
             </a:r>
           </a:p>
           <a:p>
             <a:pPr lvl="3"/>
             <a:r>
-              <a:rPr lang="en-US" smtClean="0"/>
+              <a:rPr lang="en-US"/>
               <a:t>Fourth level</a:t>
             </a:r>
           </a:p>
           <a:p>
             <a:pPr lvl="4"/>
             <a:r>
-              <a:rPr lang="en-US" smtClean="0"/>
+              <a:rPr lang="en-US"/>
               <a:t>Fifth level</a:t>
             </a:r>
-            <a:endParaRPr lang="en-US"/>
           </a:p>
         </p:txBody>
       </p:sp>
@@ -1607,7 +1608,7 @@
           <a:p>
             <a:fld id="{31CDC68C-EC45-C548-8159-BEDE9C5987EE}" type="datetimeFigureOut">
               <a:rPr lang="en-US" smtClean="0"/>
-              <a:t>10/27/17</a:t>
+              <a:t>7/22/18</a:t>
             </a:fld>
             <a:endParaRPr lang="en-US"/>
           </a:p>
@@ -1701,10 +1702,9 @@
           <a:lstStyle/>
           <a:p>
             <a:r>
-              <a:rPr lang="en-US" smtClean="0"/>
+              <a:rPr lang="en-US"/>
               <a:t>Click to edit Master title style</a:t>
             </a:r>
-            <a:endParaRPr lang="en-US"/>
           </a:p>
         </p:txBody>
       </p:sp>
@@ -1725,7 +1725,7 @@
           <a:p>
             <a:fld id="{31CDC68C-EC45-C548-8159-BEDE9C5987EE}" type="datetimeFigureOut">
               <a:rPr lang="en-US" smtClean="0"/>
-              <a:t>10/27/17</a:t>
+              <a:t>7/22/18</a:t>
             </a:fld>
             <a:endParaRPr lang="en-US"/>
           </a:p>
@@ -1820,7 +1820,7 @@
           <a:p>
             <a:fld id="{31CDC68C-EC45-C548-8159-BEDE9C5987EE}" type="datetimeFigureOut">
               <a:rPr lang="en-US" smtClean="0"/>
-              <a:t>10/27/17</a:t>
+              <a:t>7/22/18</a:t>
             </a:fld>
             <a:endParaRPr lang="en-US"/>
           </a:p>
@@ -1923,10 +1923,9 @@
           </a:lstStyle>
           <a:p>
             <a:r>
-              <a:rPr lang="en-US" smtClean="0"/>
+              <a:rPr lang="en-US"/>
               <a:t>Click to edit Master title style</a:t>
             </a:r>
-            <a:endParaRPr lang="en-US"/>
           </a:p>
         </p:txBody>
       </p:sp>
@@ -1980,38 +1979,37 @@
           <a:p>
             <a:pPr lvl="0"/>
             <a:r>
-              <a:rPr lang="en-US" smtClean="0"/>
+              <a:rPr lang="en-US"/>
               <a:t>Click to edit Master text styles</a:t>
             </a:r>
           </a:p>
           <a:p>
             <a:pPr lvl="1"/>
             <a:r>
-              <a:rPr lang="en-US" smtClean="0"/>
+              <a:rPr lang="en-US"/>
               <a:t>Second level</a:t>
             </a:r>
           </a:p>
           <a:p>
             <a:pPr lvl="2"/>
             <a:r>
-              <a:rPr lang="en-US" smtClean="0"/>
+              <a:rPr lang="en-US"/>
               <a:t>Third level</a:t>
             </a:r>
           </a:p>
           <a:p>
             <a:pPr lvl="3"/>
             <a:r>
-              <a:rPr lang="en-US" smtClean="0"/>
+              <a:rPr lang="en-US"/>
               <a:t>Fourth level</a:t>
             </a:r>
           </a:p>
           <a:p>
             <a:pPr lvl="4"/>
             <a:r>
-              <a:rPr lang="en-US" smtClean="0"/>
+              <a:rPr lang="en-US"/>
               <a:t>Fifth level</a:t>
             </a:r>
-            <a:endParaRPr lang="en-US"/>
           </a:p>
         </p:txBody>
       </p:sp>
@@ -2074,7 +2072,7 @@
           <a:p>
             <a:pPr lvl="0"/>
             <a:r>
-              <a:rPr lang="en-US" smtClean="0"/>
+              <a:rPr lang="en-US"/>
               <a:t>Click to edit Master text styles</a:t>
             </a:r>
           </a:p>
@@ -2097,7 +2095,7 @@
           <a:p>
             <a:fld id="{31CDC68C-EC45-C548-8159-BEDE9C5987EE}" type="datetimeFigureOut">
               <a:rPr lang="en-US" smtClean="0"/>
-              <a:t>10/27/17</a:t>
+              <a:t>7/22/18</a:t>
             </a:fld>
             <a:endParaRPr lang="en-US"/>
           </a:p>
@@ -2200,10 +2198,9 @@
           </a:lstStyle>
           <a:p>
             <a:r>
-              <a:rPr lang="en-US" smtClean="0"/>
+              <a:rPr lang="en-US"/>
               <a:t>Click to edit Master title style</a:t>
             </a:r>
-            <a:endParaRPr lang="en-US"/>
           </a:p>
         </p:txBody>
       </p:sp>
@@ -2327,7 +2324,7 @@
           <a:p>
             <a:pPr lvl="0"/>
             <a:r>
-              <a:rPr lang="en-US" smtClean="0"/>
+              <a:rPr lang="en-US"/>
               <a:t>Click to edit Master text styles</a:t>
             </a:r>
           </a:p>
@@ -2350,7 +2347,7 @@
           <a:p>
             <a:fld id="{31CDC68C-EC45-C548-8159-BEDE9C5987EE}" type="datetimeFigureOut">
               <a:rPr lang="en-US" smtClean="0"/>
-              <a:t>10/27/17</a:t>
+              <a:t>7/22/18</a:t>
             </a:fld>
             <a:endParaRPr lang="en-US"/>
           </a:p>
@@ -2459,10 +2456,9 @@
           <a:lstStyle/>
           <a:p>
             <a:r>
-              <a:rPr lang="en-US" smtClean="0"/>
+              <a:rPr lang="en-US"/>
               <a:t>Click to edit Master title style</a:t>
             </a:r>
-            <a:endParaRPr lang="en-US"/>
           </a:p>
         </p:txBody>
       </p:sp>
@@ -2493,38 +2489,37 @@
           <a:p>
             <a:pPr lvl="0"/>
             <a:r>
-              <a:rPr lang="en-US" smtClean="0"/>
+              <a:rPr lang="en-US"/>
               <a:t>Click to edit Master text styles</a:t>
             </a:r>
           </a:p>
           <a:p>
             <a:pPr lvl="1"/>
             <a:r>
-              <a:rPr lang="en-US" smtClean="0"/>
+              <a:rPr lang="en-US"/>
               <a:t>Second level</a:t>
             </a:r>
           </a:p>
           <a:p>
             <a:pPr lvl="2"/>
             <a:r>
-              <a:rPr lang="en-US" smtClean="0"/>
+              <a:rPr lang="en-US"/>
               <a:t>Third level</a:t>
             </a:r>
           </a:p>
           <a:p>
             <a:pPr lvl="3"/>
             <a:r>
-              <a:rPr lang="en-US" smtClean="0"/>
+              <a:rPr lang="en-US"/>
               <a:t>Fourth level</a:t>
             </a:r>
           </a:p>
           <a:p>
             <a:pPr lvl="4"/>
             <a:r>
-              <a:rPr lang="en-US" smtClean="0"/>
+              <a:rPr lang="en-US"/>
               <a:t>Fifth level</a:t>
             </a:r>
-            <a:endParaRPr lang="en-US"/>
           </a:p>
         </p:txBody>
       </p:sp>
@@ -2563,7 +2558,7 @@
           <a:p>
             <a:fld id="{31CDC68C-EC45-C548-8159-BEDE9C5987EE}" type="datetimeFigureOut">
               <a:rPr lang="en-US" smtClean="0"/>
-              <a:t>10/27/17</a:t>
+              <a:t>7/22/18</a:t>
             </a:fld>
             <a:endParaRPr lang="en-US"/>
           </a:p>
@@ -3012,60 +3007,12 @@
           <a:lstStyle/>
           <a:p>
             <a:r>
-              <a:rPr lang="en-US" b="1" dirty="0" smtClean="0">
-                <a:solidFill>
-                  <a:sysClr val="windowText" lastClr="000000"/>
-                </a:solidFill>
-              </a:rPr>
-              <a:t>   Sampling Event 1			                          Sampling Event 2  		</a:t>
-            </a:r>
-            <a:r>
               <a:rPr lang="en-US" b="1" dirty="0">
                 <a:solidFill>
                   <a:sysClr val="windowText" lastClr="000000"/>
                 </a:solidFill>
               </a:rPr>
-              <a:t> </a:t>
-            </a:r>
-            <a:r>
-              <a:rPr lang="en-US" b="1" dirty="0" smtClean="0">
-                <a:solidFill>
-                  <a:sysClr val="windowText" lastClr="000000"/>
-                </a:solidFill>
-              </a:rPr>
-              <a:t>          </a:t>
-            </a:r>
-            <a:r>
-              <a:rPr lang="en-US" b="1" dirty="0">
-                <a:solidFill>
-                  <a:sysClr val="windowText" lastClr="000000"/>
-                </a:solidFill>
-              </a:rPr>
-              <a:t> </a:t>
-            </a:r>
-            <a:r>
-              <a:rPr lang="en-US" b="1" dirty="0" smtClean="0">
-                <a:solidFill>
-                  <a:sysClr val="windowText" lastClr="000000"/>
-                </a:solidFill>
-              </a:rPr>
-              <a:t>  </a:t>
-            </a:r>
-            <a:r>
-              <a:rPr lang="en-US" b="1" dirty="0" smtClean="0">
-                <a:solidFill>
-                  <a:sysClr val="windowText" lastClr="000000"/>
-                </a:solidFill>
-              </a:rPr>
-              <a:t>Sampling </a:t>
-            </a:r>
-            <a:r>
-              <a:rPr lang="en-US" b="1" dirty="0" smtClean="0">
-                <a:solidFill>
-                  <a:sysClr val="windowText" lastClr="000000"/>
-                </a:solidFill>
-              </a:rPr>
-              <a:t>Event 3</a:t>
+              <a:t>   Sampling Event 1			                          Sampling Event 2  		              Sampling Event 3</a:t>
             </a:r>
           </a:p>
           <a:p>
@@ -3075,39 +3022,15 @@
                   <a:sysClr val="windowText" lastClr="000000"/>
                 </a:solidFill>
               </a:rPr>
-              <a:t>	</a:t>
-            </a:r>
-            <a:r>
-              <a:rPr lang="en-US" dirty="0" smtClean="0">
+              <a:t>				</a:t>
+            </a:r>
+            <a:r>
+              <a:rPr lang="en-US" i="1" dirty="0">
                 <a:solidFill>
                   <a:sysClr val="windowText" lastClr="000000"/>
                 </a:solidFill>
               </a:rPr>
-              <a:t>			</a:t>
-            </a:r>
-            <a:r>
-              <a:rPr lang="en-US" i="1" dirty="0" smtClean="0">
-                <a:solidFill>
-                  <a:sysClr val="windowText" lastClr="000000"/>
-                </a:solidFill>
-              </a:rPr>
-              <a:t>               (when migratory group returned)	        </a:t>
-            </a:r>
-            <a:r>
-              <a:rPr lang="en-US" i="1" dirty="0" smtClean="0">
-                <a:solidFill>
-                  <a:sysClr val="windowText" lastClr="000000"/>
-                </a:solidFill>
-              </a:rPr>
-              <a:t> </a:t>
-            </a:r>
-            <a:r>
-              <a:rPr lang="en-US" i="1" dirty="0" smtClean="0">
-                <a:solidFill>
-                  <a:sysClr val="windowText" lastClr="000000"/>
-                </a:solidFill>
-              </a:rPr>
-              <a:t>(after 1 month exposure)</a:t>
+              <a:t>               (when migratory group returned)	         (after 1 month exposure)</a:t>
             </a:r>
           </a:p>
         </p:txBody>
@@ -3202,10 +3125,9 @@
             <a:p>
               <a:pPr algn="ctr"/>
               <a:r>
-                <a:rPr lang="en-US" dirty="0" smtClean="0"/>
+                <a:rPr lang="en-US" dirty="0"/>
                 <a:t>EXPOSED YARD</a:t>
               </a:r>
-              <a:endParaRPr lang="en-US" dirty="0"/>
             </a:p>
           </p:txBody>
         </p:sp>
@@ -3286,10 +3208,9 @@
           <a:p>
             <a:pPr algn="ctr"/>
             <a:r>
-              <a:rPr lang="en-US" dirty="0" smtClean="0"/>
+              <a:rPr lang="en-US" dirty="0"/>
               <a:t>STATIONARY YARD</a:t>
             </a:r>
-            <a:endParaRPr lang="en-US" dirty="0"/>
           </a:p>
         </p:txBody>
       </p:sp>
@@ -3463,10 +3384,9 @@
             <a:p>
               <a:pPr algn="ctr"/>
               <a:r>
-                <a:rPr lang="en-US" dirty="0" smtClean="0"/>
+                <a:rPr lang="en-US" dirty="0"/>
                 <a:t>STATIONARY YARD</a:t>
               </a:r>
-              <a:endParaRPr lang="en-US" dirty="0"/>
             </a:p>
           </p:txBody>
         </p:sp>
@@ -3518,7 +3438,7 @@
             <a:p>
               <a:pPr algn="ctr"/>
               <a:r>
-                <a:rPr lang="en-US" sz="1400" dirty="0" smtClean="0">
+                <a:rPr lang="en-US" sz="1400" dirty="0">
                   <a:solidFill>
                     <a:sysClr val="windowText" lastClr="000000"/>
                   </a:solidFill>
@@ -3529,7 +3449,7 @@
             <a:p>
               <a:pPr algn="ctr"/>
               <a:r>
-                <a:rPr lang="en-US" sz="1400" dirty="0" smtClean="0">
+                <a:rPr lang="en-US" sz="1400" dirty="0">
                   <a:solidFill>
                     <a:sysClr val="windowText" lastClr="000000"/>
                   </a:solidFill>
@@ -3540,7 +3460,7 @@
             <a:p>
               <a:pPr algn="ctr"/>
               <a:r>
-                <a:rPr lang="en-US" sz="1400" dirty="0" smtClean="0">
+                <a:rPr lang="en-US" sz="1400" dirty="0">
                   <a:solidFill>
                     <a:sysClr val="windowText" lastClr="000000"/>
                   </a:solidFill>
@@ -3598,7 +3518,7 @@
             <a:p>
               <a:pPr algn="ctr"/>
               <a:r>
-                <a:rPr lang="en-US" sz="1400" dirty="0" smtClean="0">
+                <a:rPr lang="en-US" sz="1400" dirty="0">
                   <a:solidFill>
                     <a:sysClr val="windowText" lastClr="000000"/>
                   </a:solidFill>
@@ -3631,7 +3551,7 @@
         </p:blipFill>
         <p:spPr>
           <a:xfrm>
-            <a:off x="3226442" y="1796520"/>
+            <a:off x="3347031" y="1807889"/>
             <a:ext cx="1687272" cy="2889696"/>
           </a:xfrm>
           <a:prstGeom prst="rect">
@@ -3763,10 +3683,9 @@
             <a:p>
               <a:pPr algn="ctr"/>
               <a:r>
-                <a:rPr lang="en-US" dirty="0" smtClean="0"/>
+                <a:rPr lang="en-US" dirty="0"/>
                 <a:t>EXPOSED YARD</a:t>
               </a:r>
-              <a:endParaRPr lang="en-US" dirty="0"/>
             </a:p>
           </p:txBody>
         </p:sp>
@@ -3818,7 +3737,7 @@
             <a:p>
               <a:pPr algn="ctr"/>
               <a:r>
-                <a:rPr lang="en-US" sz="1400" dirty="0" smtClean="0">
+                <a:rPr lang="en-US" sz="1400" dirty="0">
                   <a:solidFill>
                     <a:sysClr val="windowText" lastClr="000000"/>
                   </a:solidFill>
@@ -3829,7 +3748,7 @@
             <a:p>
               <a:pPr algn="ctr"/>
               <a:r>
-                <a:rPr lang="en-US" sz="1400" dirty="0" smtClean="0">
+                <a:rPr lang="en-US" sz="1400" dirty="0">
                   <a:solidFill>
                     <a:sysClr val="windowText" lastClr="000000"/>
                   </a:solidFill>
@@ -3887,7 +3806,7 @@
             <a:p>
               <a:pPr algn="ctr"/>
               <a:r>
-                <a:rPr lang="en-US" sz="1400" dirty="0" smtClean="0">
+                <a:rPr lang="en-US" sz="1400" dirty="0">
                   <a:solidFill>
                     <a:sysClr val="windowText" lastClr="000000"/>
                   </a:solidFill>
@@ -3898,7 +3817,7 @@
             <a:p>
               <a:pPr algn="ctr"/>
               <a:r>
-                <a:rPr lang="en-US" sz="1400" dirty="0" smtClean="0">
+                <a:rPr lang="en-US" sz="1400" dirty="0">
                   <a:solidFill>
                     <a:sysClr val="windowText" lastClr="000000"/>
                   </a:solidFill>
@@ -4027,10 +3946,9 @@
           <a:p>
             <a:pPr algn="ctr"/>
             <a:r>
-              <a:rPr lang="en-US" dirty="0" smtClean="0"/>
+              <a:rPr lang="en-US" dirty="0"/>
               <a:t>STATIONARY YARD</a:t>
             </a:r>
-            <a:endParaRPr lang="en-US" dirty="0"/>
           </a:p>
         </p:txBody>
       </p:sp>
@@ -4204,10 +4122,9 @@
             <a:p>
               <a:pPr algn="ctr"/>
               <a:r>
-                <a:rPr lang="en-US" dirty="0" smtClean="0"/>
+                <a:rPr lang="en-US" dirty="0"/>
                 <a:t>EXPOSED YARD</a:t>
               </a:r>
-              <a:endParaRPr lang="en-US" dirty="0"/>
             </a:p>
           </p:txBody>
         </p:sp>
@@ -4259,7 +4176,7 @@
             <a:p>
               <a:pPr algn="ctr"/>
               <a:r>
-                <a:rPr lang="en-US" sz="1400" dirty="0" smtClean="0">
+                <a:rPr lang="en-US" sz="1400" dirty="0">
                   <a:solidFill>
                     <a:sysClr val="windowText" lastClr="000000"/>
                   </a:solidFill>
@@ -4270,7 +4187,7 @@
             <a:p>
               <a:pPr algn="ctr"/>
               <a:r>
-                <a:rPr lang="en-US" sz="1400" dirty="0" smtClean="0">
+                <a:rPr lang="en-US" sz="1400" dirty="0">
                   <a:solidFill>
                     <a:sysClr val="windowText" lastClr="000000"/>
                   </a:solidFill>
@@ -4328,7 +4245,7 @@
             <a:p>
               <a:pPr algn="ctr"/>
               <a:r>
-                <a:rPr lang="en-US" sz="1400" dirty="0" smtClean="0">
+                <a:rPr lang="en-US" sz="1400" dirty="0">
                   <a:solidFill>
                     <a:sysClr val="windowText" lastClr="000000"/>
                   </a:solidFill>
@@ -4339,7 +4256,7 @@
             <a:p>
               <a:pPr algn="ctr"/>
               <a:r>
-                <a:rPr lang="en-US" sz="1400" dirty="0" smtClean="0">
+                <a:rPr lang="en-US" sz="1400" dirty="0">
                   <a:solidFill>
                     <a:sysClr val="windowText" lastClr="000000"/>
                   </a:solidFill>
@@ -4428,7 +4345,7 @@
           <a:p>
             <a:pPr algn="ctr"/>
             <a:r>
-              <a:rPr lang="en-US" sz="1400" dirty="0" smtClean="0">
+              <a:rPr lang="en-US" sz="1400" dirty="0">
                 <a:solidFill>
                   <a:sysClr val="windowText" lastClr="000000"/>
                 </a:solidFill>
@@ -4439,7 +4356,7 @@
           <a:p>
             <a:pPr algn="ctr"/>
             <a:r>
-              <a:rPr lang="en-US" sz="1400" dirty="0" smtClean="0">
+              <a:rPr lang="en-US" sz="1400" dirty="0">
                 <a:solidFill>
                   <a:sysClr val="windowText" lastClr="000000"/>
                 </a:solidFill>
@@ -4483,6 +4400,111 @@
           </a:fontRef>
         </p:style>
       </p:cxnSp>
+      <p:sp>
+        <p:nvSpPr>
+          <p:cNvPr id="2" name="TextBox 1">
+            <a:extLst>
+              <a:ext uri="{FF2B5EF4-FFF2-40B4-BE49-F238E27FC236}">
+                <a16:creationId xmlns:a16="http://schemas.microsoft.com/office/drawing/2014/main" id="{330AB369-2521-6F4F-A0AC-2D9A0B41B0A3}"/>
+              </a:ext>
+            </a:extLst>
+          </p:cNvPr>
+          <p:cNvSpPr txBox="1"/>
+          <p:nvPr/>
+        </p:nvSpPr>
+        <p:spPr>
+          <a:xfrm rot="1551583">
+            <a:off x="2480837" y="2751450"/>
+            <a:ext cx="1230048" cy="369332"/>
+          </a:xfrm>
+          <a:prstGeom prst="rect">
+            <a:avLst/>
+          </a:prstGeom>
+          <a:noFill/>
+        </p:spPr>
+        <p:txBody>
+          <a:bodyPr wrap="square" rtlCol="0">
+            <a:spAutoFit/>
+          </a:bodyPr>
+          <a:lstStyle/>
+          <a:p>
+            <a:r>
+              <a:rPr lang="en-US" dirty="0"/>
+              <a:t>~4,300 km</a:t>
+            </a:r>
+          </a:p>
+        </p:txBody>
+      </p:sp>
+      <p:sp>
+        <p:nvSpPr>
+          <p:cNvPr id="34" name="TextBox 33">
+            <a:extLst>
+              <a:ext uri="{FF2B5EF4-FFF2-40B4-BE49-F238E27FC236}">
+                <a16:creationId xmlns:a16="http://schemas.microsoft.com/office/drawing/2014/main" id="{BBDB5517-D0E4-4940-9B66-47372ABB1336}"/>
+              </a:ext>
+            </a:extLst>
+          </p:cNvPr>
+          <p:cNvSpPr txBox="1"/>
+          <p:nvPr/>
+        </p:nvSpPr>
+        <p:spPr>
+          <a:xfrm rot="3133787">
+            <a:off x="3955992" y="3932840"/>
+            <a:ext cx="1230048" cy="369332"/>
+          </a:xfrm>
+          <a:prstGeom prst="rect">
+            <a:avLst/>
+          </a:prstGeom>
+          <a:noFill/>
+        </p:spPr>
+        <p:txBody>
+          <a:bodyPr wrap="square" rtlCol="0">
+            <a:spAutoFit/>
+          </a:bodyPr>
+          <a:lstStyle/>
+          <a:p>
+            <a:r>
+              <a:rPr lang="en-US" dirty="0"/>
+              <a:t>~4,300 km</a:t>
+            </a:r>
+          </a:p>
+        </p:txBody>
+      </p:sp>
+      <p:sp>
+        <p:nvSpPr>
+          <p:cNvPr id="3" name="TextBox 2">
+            <a:extLst>
+              <a:ext uri="{FF2B5EF4-FFF2-40B4-BE49-F238E27FC236}">
+                <a16:creationId xmlns:a16="http://schemas.microsoft.com/office/drawing/2014/main" id="{D8966A69-483A-0246-BF9D-F92B8CC066B7}"/>
+              </a:ext>
+            </a:extLst>
+          </p:cNvPr>
+          <p:cNvSpPr txBox="1"/>
+          <p:nvPr/>
+        </p:nvSpPr>
+        <p:spPr>
+          <a:xfrm rot="4290815">
+            <a:off x="6708652" y="4107546"/>
+            <a:ext cx="928459" cy="369332"/>
+          </a:xfrm>
+          <a:prstGeom prst="rect">
+            <a:avLst/>
+          </a:prstGeom>
+          <a:noFill/>
+        </p:spPr>
+        <p:txBody>
+          <a:bodyPr wrap="none" rtlCol="0">
+            <a:spAutoFit/>
+          </a:bodyPr>
+          <a:lstStyle/>
+          <a:p>
+            <a:r>
+              <a:rPr lang="en-US" dirty="0"/>
+              <a:t>~ 24 km</a:t>
+            </a:r>
+          </a:p>
+        </p:txBody>
+      </p:sp>
     </p:spTree>
     <p:extLst>
       <p:ext uri="{BB962C8B-B14F-4D97-AF65-F5344CB8AC3E}">
@@ -4605,10 +4627,9 @@
           <a:p>
             <a:pPr algn="ctr"/>
             <a:r>
-              <a:rPr lang="en-US" dirty="0" smtClean="0"/>
+              <a:rPr lang="en-US" dirty="0"/>
               <a:t>Migratory Group transported to CA and returned to NC. Exposed Group transferred to Exposed Yard</a:t>
             </a:r>
-            <a:endParaRPr lang="en-US" dirty="0"/>
           </a:p>
         </p:txBody>
       </p:sp>
@@ -4649,10 +4670,9 @@
           <a:p>
             <a:pPr algn="ctr"/>
             <a:r>
-              <a:rPr lang="en-US" dirty="0" smtClean="0"/>
+              <a:rPr lang="en-US" dirty="0"/>
               <a:t>Migratory Group transferred to Exposed Yard</a:t>
             </a:r>
-            <a:endParaRPr lang="en-US" dirty="0"/>
           </a:p>
         </p:txBody>
       </p:sp>
@@ -4700,28 +4720,12 @@
           <a:lstStyle/>
           <a:p>
             <a:r>
-              <a:rPr lang="en-US" b="1" dirty="0" smtClean="0">
-                <a:solidFill>
-                  <a:sysClr val="windowText" lastClr="000000"/>
-                </a:solidFill>
-              </a:rPr>
-              <a:t>   Sampling Event 1			                          Sampling Event 2  		</a:t>
-            </a:r>
-            <a:r>
               <a:rPr lang="en-US" b="1" dirty="0">
                 <a:solidFill>
                   <a:sysClr val="windowText" lastClr="000000"/>
                 </a:solidFill>
               </a:rPr>
-              <a:t> </a:t>
-            </a:r>
-            <a:r>
-              <a:rPr lang="en-US" b="1" dirty="0" smtClean="0">
-                <a:solidFill>
-                  <a:sysClr val="windowText" lastClr="000000"/>
-                </a:solidFill>
-              </a:rPr>
-              <a:t>                   Sampling Event 3</a:t>
+              <a:t>   Sampling Event 1			                          Sampling Event 2  		                    Sampling Event 3</a:t>
             </a:r>
           </a:p>
           <a:p>
@@ -4731,18 +4735,10 @@
                   <a:sysClr val="windowText" lastClr="000000"/>
                 </a:solidFill>
               </a:rPr>
-              <a:t>	</a:t>
-            </a:r>
-            <a:r>
-              <a:rPr lang="en-US" dirty="0" smtClean="0">
-                <a:solidFill>
-                  <a:sysClr val="windowText" lastClr="000000"/>
-                </a:solidFill>
-              </a:rPr>
-              <a:t>			</a:t>
-            </a:r>
-            <a:r>
-              <a:rPr lang="en-US" i="1" dirty="0" smtClean="0">
+              <a:t>				</a:t>
+            </a:r>
+            <a:r>
+              <a:rPr lang="en-US" i="1" dirty="0">
                 <a:solidFill>
                   <a:sysClr val="windowText" lastClr="000000"/>
                 </a:solidFill>
@@ -4776,10 +4772,9 @@
           <a:p>
             <a:pPr algn="ctr"/>
             <a:r>
-              <a:rPr lang="en-US" sz="2800" dirty="0" smtClean="0"/>
+              <a:rPr lang="en-US" sz="2800" dirty="0"/>
               <a:t>Experimental Design for Migratory/Stationary Honey Bee Experiment </a:t>
             </a:r>
-            <a:endParaRPr lang="en-US" sz="2800" dirty="0"/>
           </a:p>
         </p:txBody>
       </p:sp>
@@ -5223,10 +5218,9 @@
           <a:p>
             <a:pPr algn="ctr"/>
             <a:r>
-              <a:rPr lang="en-US" dirty="0" smtClean="0"/>
+              <a:rPr lang="en-US" dirty="0"/>
               <a:t>MIGRATORY HOLDING YARD</a:t>
             </a:r>
-            <a:endParaRPr lang="en-US" dirty="0"/>
           </a:p>
         </p:txBody>
       </p:sp>
@@ -5254,10 +5248,9 @@
           <a:p>
             <a:pPr algn="ctr"/>
             <a:r>
-              <a:rPr lang="en-US" dirty="0" smtClean="0"/>
+              <a:rPr lang="en-US" dirty="0"/>
               <a:t>STATIONARY YARD</a:t>
             </a:r>
-            <a:endParaRPr lang="en-US" dirty="0"/>
           </a:p>
         </p:txBody>
       </p:sp>
@@ -5285,10 +5278,9 @@
           <a:p>
             <a:pPr algn="ctr"/>
             <a:r>
-              <a:rPr lang="en-US" dirty="0" smtClean="0"/>
+              <a:rPr lang="en-US" dirty="0"/>
               <a:t>EXPOSED YARD</a:t>
             </a:r>
-            <a:endParaRPr lang="en-US" dirty="0"/>
           </a:p>
         </p:txBody>
       </p:sp>
@@ -5316,10 +5308,9 @@
           <a:p>
             <a:pPr algn="ctr"/>
             <a:r>
-              <a:rPr lang="en-US" dirty="0" smtClean="0"/>
+              <a:rPr lang="en-US" dirty="0"/>
               <a:t>MIGRATORY HOLDING YARD</a:t>
             </a:r>
-            <a:endParaRPr lang="en-US" dirty="0"/>
           </a:p>
         </p:txBody>
       </p:sp>
@@ -5347,10 +5338,9 @@
           <a:p>
             <a:pPr algn="ctr"/>
             <a:r>
-              <a:rPr lang="en-US" dirty="0" smtClean="0"/>
+              <a:rPr lang="en-US" dirty="0"/>
               <a:t>STATIONARY YARD</a:t>
             </a:r>
-            <a:endParaRPr lang="en-US" dirty="0"/>
           </a:p>
         </p:txBody>
       </p:sp>
@@ -5378,10 +5368,9 @@
           <a:p>
             <a:pPr algn="ctr"/>
             <a:r>
-              <a:rPr lang="en-US" dirty="0" smtClean="0"/>
+              <a:rPr lang="en-US" dirty="0"/>
               <a:t>EXPOSED YARD</a:t>
             </a:r>
-            <a:endParaRPr lang="en-US" dirty="0"/>
           </a:p>
         </p:txBody>
       </p:sp>
@@ -5409,10 +5398,9 @@
           <a:p>
             <a:pPr algn="ctr"/>
             <a:r>
-              <a:rPr lang="en-US" dirty="0" smtClean="0"/>
+              <a:rPr lang="en-US" dirty="0"/>
               <a:t>MIGRATORY HOLDING YARD</a:t>
             </a:r>
-            <a:endParaRPr lang="en-US" dirty="0"/>
           </a:p>
         </p:txBody>
       </p:sp>
@@ -5440,10 +5428,9 @@
           <a:p>
             <a:pPr algn="ctr"/>
             <a:r>
-              <a:rPr lang="en-US" dirty="0" smtClean="0"/>
+              <a:rPr lang="en-US" dirty="0"/>
               <a:t>STATIONARY YARD</a:t>
             </a:r>
-            <a:endParaRPr lang="en-US" dirty="0"/>
           </a:p>
         </p:txBody>
       </p:sp>
@@ -5471,10 +5458,9 @@
           <a:p>
             <a:pPr algn="ctr"/>
             <a:r>
-              <a:rPr lang="en-US" dirty="0" smtClean="0"/>
+              <a:rPr lang="en-US" dirty="0"/>
               <a:t>EXPOSED YARD</a:t>
             </a:r>
-            <a:endParaRPr lang="en-US" dirty="0"/>
           </a:p>
         </p:txBody>
       </p:sp>
@@ -5526,7 +5512,7 @@
           <a:p>
             <a:pPr algn="ctr"/>
             <a:r>
-              <a:rPr lang="en-US" sz="1400" dirty="0" smtClean="0">
+              <a:rPr lang="en-US" sz="1400" dirty="0">
                 <a:solidFill>
                   <a:sysClr val="windowText" lastClr="000000"/>
                 </a:solidFill>
@@ -5537,7 +5523,7 @@
           <a:p>
             <a:pPr algn="ctr"/>
             <a:r>
-              <a:rPr lang="en-US" sz="1400" dirty="0" smtClean="0">
+              <a:rPr lang="en-US" sz="1400" dirty="0">
                 <a:solidFill>
                   <a:sysClr val="windowText" lastClr="000000"/>
                 </a:solidFill>
@@ -5548,7 +5534,7 @@
           <a:p>
             <a:pPr algn="ctr"/>
             <a:r>
-              <a:rPr lang="en-US" sz="1400" dirty="0" smtClean="0">
+              <a:rPr lang="en-US" sz="1400" dirty="0">
                 <a:solidFill>
                   <a:sysClr val="windowText" lastClr="000000"/>
                 </a:solidFill>
@@ -5606,7 +5592,7 @@
           <a:p>
             <a:pPr algn="ctr"/>
             <a:r>
-              <a:rPr lang="en-US" sz="1400" dirty="0" smtClean="0">
+              <a:rPr lang="en-US" sz="1400" dirty="0">
                 <a:solidFill>
                   <a:sysClr val="windowText" lastClr="000000"/>
                 </a:solidFill>
@@ -5744,7 +5730,7 @@
           <a:p>
             <a:pPr algn="ctr"/>
             <a:r>
-              <a:rPr lang="en-US" sz="1400" dirty="0" smtClean="0">
+              <a:rPr lang="en-US" sz="1400" dirty="0">
                 <a:solidFill>
                   <a:sysClr val="windowText" lastClr="000000"/>
                 </a:solidFill>
@@ -5755,7 +5741,7 @@
           <a:p>
             <a:pPr algn="ctr"/>
             <a:r>
-              <a:rPr lang="en-US" sz="1400" dirty="0" smtClean="0">
+              <a:rPr lang="en-US" sz="1400" dirty="0">
                 <a:solidFill>
                   <a:sysClr val="windowText" lastClr="000000"/>
                 </a:solidFill>
@@ -5813,7 +5799,7 @@
           <a:p>
             <a:pPr algn="ctr"/>
             <a:r>
-              <a:rPr lang="en-US" sz="1400" dirty="0" smtClean="0">
+              <a:rPr lang="en-US" sz="1400" dirty="0">
                 <a:solidFill>
                   <a:sysClr val="windowText" lastClr="000000"/>
                 </a:solidFill>
@@ -5824,7 +5810,7 @@
           <a:p>
             <a:pPr algn="ctr"/>
             <a:r>
-              <a:rPr lang="en-US" sz="1400" dirty="0" smtClean="0">
+              <a:rPr lang="en-US" sz="1400" dirty="0">
                 <a:solidFill>
                   <a:sysClr val="windowText" lastClr="000000"/>
                 </a:solidFill>
@@ -5961,7 +5947,7 @@
           <a:lstStyle/>
           <a:p>
             <a:pPr algn="ctr"/>
-            <a:endParaRPr lang="en-US" sz="1400" dirty="0" smtClean="0">
+            <a:endParaRPr lang="en-US" sz="1400" dirty="0">
               <a:solidFill>
                 <a:sysClr val="windowText" lastClr="000000"/>
               </a:solidFill>
@@ -5992,10 +5978,9 @@
           <a:lstStyle/>
           <a:p>
             <a:r>
-              <a:rPr lang="en-US" b="1" dirty="0" smtClean="0"/>
+              <a:rPr lang="en-US" b="1" dirty="0"/>
               <a:t>= Sampled</a:t>
             </a:r>
-            <a:endParaRPr lang="en-US" b="1" dirty="0"/>
           </a:p>
         </p:txBody>
       </p:sp>
@@ -6022,10 +6007,9 @@
           <a:lstStyle/>
           <a:p>
             <a:r>
-              <a:rPr lang="en-US" b="1" dirty="0" smtClean="0"/>
+              <a:rPr lang="en-US" b="1" dirty="0"/>
               <a:t>= Not Sampled</a:t>
             </a:r>
-            <a:endParaRPr lang="en-US" b="1" dirty="0"/>
           </a:p>
         </p:txBody>
       </p:sp>
@@ -6076,7 +6060,7 @@
           <a:lstStyle/>
           <a:p>
             <a:pPr algn="ctr"/>
-            <a:endParaRPr lang="en-US" sz="1400" dirty="0" smtClean="0">
+            <a:endParaRPr lang="en-US" sz="1400" dirty="0">
               <a:solidFill>
                 <a:sysClr val="windowText" lastClr="000000"/>
               </a:solidFill>
@@ -6132,7 +6116,7 @@
           <a:p>
             <a:pPr algn="ctr"/>
             <a:r>
-              <a:rPr lang="en-US" sz="1400" dirty="0" smtClean="0">
+              <a:rPr lang="en-US" sz="1400" dirty="0">
                 <a:solidFill>
                   <a:sysClr val="windowText" lastClr="000000"/>
                 </a:solidFill>
@@ -6190,7 +6174,7 @@
           <a:p>
             <a:pPr algn="ctr"/>
             <a:r>
-              <a:rPr lang="en-US" sz="1400" dirty="0" smtClean="0">
+              <a:rPr lang="en-US" sz="1400" dirty="0">
                 <a:solidFill>
                   <a:sysClr val="windowText" lastClr="000000"/>
                 </a:solidFill>
@@ -6201,7 +6185,7 @@
           <a:p>
             <a:pPr algn="ctr"/>
             <a:r>
-              <a:rPr lang="en-US" sz="1400" dirty="0" smtClean="0">
+              <a:rPr lang="en-US" sz="1400" dirty="0">
                 <a:solidFill>
                   <a:sysClr val="windowText" lastClr="000000"/>
                 </a:solidFill>
@@ -6329,7 +6313,7 @@
           <a:p>
             <a:pPr algn="ctr"/>
             <a:r>
-              <a:rPr lang="en-US" sz="1400" dirty="0" smtClean="0">
+              <a:rPr lang="en-US" sz="1400" dirty="0">
                 <a:solidFill>
                   <a:sysClr val="windowText" lastClr="000000"/>
                 </a:solidFill>
@@ -6340,7 +6324,7 @@
           <a:p>
             <a:pPr algn="ctr"/>
             <a:r>
-              <a:rPr lang="en-US" sz="1400" dirty="0" smtClean="0">
+              <a:rPr lang="en-US" sz="1400" dirty="0">
                 <a:solidFill>
                   <a:sysClr val="windowText" lastClr="000000"/>
                 </a:solidFill>
@@ -6406,10 +6390,9 @@
               <a:buNone/>
             </a:pPr>
             <a:r>
-              <a:rPr lang="en-US" dirty="0" smtClean="0"/>
+              <a:rPr lang="en-US" dirty="0"/>
               <a:t>Schematic showing experimental design. Three sampling events occurred during the experiment. Green boxes represent each group of 16 hives sampled during the specified sampling event. Slashed red boxes represent each group of 16 hives not sampled during that sampling event. Three experimental groups (Isolated Stationary Group, Migratory Group, and Exposed Group) are spread across three separate yards throughout the experiment: The Stationary Yard (where all groups begin and the Isolated Stationary Group remains for the duration of the experiment), the Migratory Holding Yard (where the Migratory Group is temporarily brought upon return from CA for sampling event 2), and the Exposed Yard (where the Exposed Group is exposed to the Migratory Group). Arrows represent tasks that occurred between each sampling event.</a:t>
             </a:r>
-            <a:endParaRPr lang="en-US" dirty="0"/>
           </a:p>
         </p:txBody>
       </p:sp>
@@ -6535,10 +6518,9 @@
           <a:p>
             <a:pPr algn="ctr"/>
             <a:r>
-              <a:rPr lang="en-US" dirty="0" smtClean="0"/>
+              <a:rPr lang="en-US" dirty="0"/>
               <a:t>Send Migratory Group to Almonds and Return to NC. Move Exposed Group to Exposed Yard</a:t>
             </a:r>
-            <a:endParaRPr lang="en-US" dirty="0"/>
           </a:p>
         </p:txBody>
       </p:sp>
@@ -6579,10 +6561,9 @@
           <a:p>
             <a:pPr algn="ctr"/>
             <a:r>
-              <a:rPr lang="en-US" dirty="0" smtClean="0"/>
+              <a:rPr lang="en-US" dirty="0"/>
               <a:t>Move Migratory Group to Exposed Yard</a:t>
             </a:r>
-            <a:endParaRPr lang="en-US" dirty="0"/>
           </a:p>
         </p:txBody>
       </p:sp>
@@ -6630,28 +6611,12 @@
           <a:lstStyle/>
           <a:p>
             <a:r>
-              <a:rPr lang="en-US" b="1" dirty="0" smtClean="0">
-                <a:solidFill>
-                  <a:sysClr val="windowText" lastClr="000000"/>
-                </a:solidFill>
-              </a:rPr>
-              <a:t>   Sampling Event 1			                          Sampling Event 2  		</a:t>
-            </a:r>
-            <a:r>
               <a:rPr lang="en-US" b="1" dirty="0">
                 <a:solidFill>
                   <a:sysClr val="windowText" lastClr="000000"/>
                 </a:solidFill>
               </a:rPr>
-              <a:t> </a:t>
-            </a:r>
-            <a:r>
-              <a:rPr lang="en-US" b="1" dirty="0" smtClean="0">
-                <a:solidFill>
-                  <a:sysClr val="windowText" lastClr="000000"/>
-                </a:solidFill>
-              </a:rPr>
-              <a:t>                   Sampling Event 3</a:t>
+              <a:t>   Sampling Event 1			                          Sampling Event 2  		                    Sampling Event 3</a:t>
             </a:r>
           </a:p>
           <a:p>
@@ -6661,18 +6626,10 @@
                   <a:sysClr val="windowText" lastClr="000000"/>
                 </a:solidFill>
               </a:rPr>
-              <a:t>	</a:t>
-            </a:r>
-            <a:r>
-              <a:rPr lang="en-US" dirty="0" smtClean="0">
-                <a:solidFill>
-                  <a:sysClr val="windowText" lastClr="000000"/>
-                </a:solidFill>
-              </a:rPr>
-              <a:t>			</a:t>
-            </a:r>
-            <a:r>
-              <a:rPr lang="en-US" i="1" dirty="0" smtClean="0">
+              <a:t>				</a:t>
+            </a:r>
+            <a:r>
+              <a:rPr lang="en-US" i="1" dirty="0">
                 <a:solidFill>
                   <a:sysClr val="windowText" lastClr="000000"/>
                 </a:solidFill>
@@ -6706,10 +6663,9 @@
           <a:p>
             <a:pPr algn="ctr"/>
             <a:r>
-              <a:rPr lang="en-US" sz="2800" dirty="0" smtClean="0"/>
+              <a:rPr lang="en-US" sz="2800" dirty="0"/>
               <a:t>Experimental Design for Migratory/Stationary Honey Bee Experiment </a:t>
             </a:r>
-            <a:endParaRPr lang="en-US" sz="2800" dirty="0"/>
           </a:p>
         </p:txBody>
       </p:sp>
@@ -7153,10 +7109,9 @@
           <a:p>
             <a:pPr algn="ctr"/>
             <a:r>
-              <a:rPr lang="en-US" dirty="0" smtClean="0"/>
+              <a:rPr lang="en-US" dirty="0"/>
               <a:t>MIGRATORY HOLDING YARD</a:t>
             </a:r>
-            <a:endParaRPr lang="en-US" dirty="0"/>
           </a:p>
         </p:txBody>
       </p:sp>
@@ -7184,10 +7139,9 @@
           <a:p>
             <a:pPr algn="ctr"/>
             <a:r>
-              <a:rPr lang="en-US" dirty="0" smtClean="0"/>
+              <a:rPr lang="en-US" dirty="0"/>
               <a:t>STATIONARY YARD</a:t>
             </a:r>
-            <a:endParaRPr lang="en-US" dirty="0"/>
           </a:p>
         </p:txBody>
       </p:sp>
@@ -7215,10 +7169,9 @@
           <a:p>
             <a:pPr algn="ctr"/>
             <a:r>
-              <a:rPr lang="en-US" dirty="0" smtClean="0"/>
+              <a:rPr lang="en-US" dirty="0"/>
               <a:t>EXPOSED YARD</a:t>
             </a:r>
-            <a:endParaRPr lang="en-US" dirty="0"/>
           </a:p>
         </p:txBody>
       </p:sp>
@@ -7246,10 +7199,9 @@
           <a:p>
             <a:pPr algn="ctr"/>
             <a:r>
-              <a:rPr lang="en-US" dirty="0" smtClean="0"/>
+              <a:rPr lang="en-US" dirty="0"/>
               <a:t>MIGRATORY HOLDING YARD</a:t>
             </a:r>
-            <a:endParaRPr lang="en-US" dirty="0"/>
           </a:p>
         </p:txBody>
       </p:sp>
@@ -7277,10 +7229,9 @@
           <a:p>
             <a:pPr algn="ctr"/>
             <a:r>
-              <a:rPr lang="en-US" dirty="0" smtClean="0"/>
+              <a:rPr lang="en-US" dirty="0"/>
               <a:t>STATIONARY YARD</a:t>
             </a:r>
-            <a:endParaRPr lang="en-US" dirty="0"/>
           </a:p>
         </p:txBody>
       </p:sp>
@@ -7308,10 +7259,9 @@
           <a:p>
             <a:pPr algn="ctr"/>
             <a:r>
-              <a:rPr lang="en-US" dirty="0" smtClean="0"/>
+              <a:rPr lang="en-US" dirty="0"/>
               <a:t>EXPOSED YARD</a:t>
             </a:r>
-            <a:endParaRPr lang="en-US" dirty="0"/>
           </a:p>
         </p:txBody>
       </p:sp>
@@ -7339,10 +7289,9 @@
           <a:p>
             <a:pPr algn="ctr"/>
             <a:r>
-              <a:rPr lang="en-US" dirty="0" smtClean="0"/>
+              <a:rPr lang="en-US" dirty="0"/>
               <a:t>MIGRATORY HOLDING YARD</a:t>
             </a:r>
-            <a:endParaRPr lang="en-US" dirty="0"/>
           </a:p>
         </p:txBody>
       </p:sp>
@@ -7370,10 +7319,9 @@
           <a:p>
             <a:pPr algn="ctr"/>
             <a:r>
-              <a:rPr lang="en-US" dirty="0" smtClean="0"/>
+              <a:rPr lang="en-US" dirty="0"/>
               <a:t>STATIONARY YARD</a:t>
             </a:r>
-            <a:endParaRPr lang="en-US" dirty="0"/>
           </a:p>
         </p:txBody>
       </p:sp>
@@ -7401,10 +7349,9 @@
           <a:p>
             <a:pPr algn="ctr"/>
             <a:r>
-              <a:rPr lang="en-US" dirty="0" smtClean="0"/>
+              <a:rPr lang="en-US" dirty="0"/>
               <a:t>EXPOSED YARD</a:t>
             </a:r>
-            <a:endParaRPr lang="en-US" dirty="0"/>
           </a:p>
         </p:txBody>
       </p:sp>
@@ -7456,7 +7403,7 @@
           <a:p>
             <a:pPr algn="ctr"/>
             <a:r>
-              <a:rPr lang="en-US" sz="1400" dirty="0" smtClean="0">
+              <a:rPr lang="en-US" sz="1400" dirty="0">
                 <a:solidFill>
                   <a:sysClr val="windowText" lastClr="000000"/>
                 </a:solidFill>
@@ -7467,7 +7414,7 @@
           <a:p>
             <a:pPr algn="ctr"/>
             <a:r>
-              <a:rPr lang="en-US" sz="1400" dirty="0" smtClean="0">
+              <a:rPr lang="en-US" sz="1400" dirty="0">
                 <a:solidFill>
                   <a:sysClr val="windowText" lastClr="000000"/>
                 </a:solidFill>
@@ -7478,7 +7425,7 @@
           <a:p>
             <a:pPr algn="ctr"/>
             <a:r>
-              <a:rPr lang="en-US" sz="1400" i="1" dirty="0" smtClean="0">
+              <a:rPr lang="en-US" sz="1400" i="1" dirty="0">
                 <a:solidFill>
                   <a:sysClr val="windowText" lastClr="000000"/>
                 </a:solidFill>
@@ -7536,7 +7483,7 @@
           <a:p>
             <a:pPr algn="ctr"/>
             <a:r>
-              <a:rPr lang="en-US" sz="1400" dirty="0" smtClean="0">
+              <a:rPr lang="en-US" sz="1400" dirty="0">
                 <a:solidFill>
                   <a:sysClr val="windowText" lastClr="000000"/>
                 </a:solidFill>
@@ -7594,7 +7541,7 @@
           <a:p>
             <a:pPr algn="ctr"/>
             <a:r>
-              <a:rPr lang="en-US" sz="1400" dirty="0" smtClean="0">
+              <a:rPr lang="en-US" sz="1400" dirty="0">
                 <a:solidFill>
                   <a:sysClr val="windowText" lastClr="000000"/>
                 </a:solidFill>
@@ -7605,7 +7552,7 @@
           <a:p>
             <a:pPr algn="ctr"/>
             <a:r>
-              <a:rPr lang="en-US" sz="1400" dirty="0" smtClean="0">
+              <a:rPr lang="en-US" sz="1400" dirty="0">
                 <a:solidFill>
                   <a:sysClr val="windowText" lastClr="000000"/>
                 </a:solidFill>
@@ -7616,7 +7563,7 @@
           <a:p>
             <a:pPr algn="ctr"/>
             <a:r>
-              <a:rPr lang="en-US" sz="1400" i="1" dirty="0" smtClean="0">
+              <a:rPr lang="en-US" sz="1400" i="1" dirty="0">
                 <a:solidFill>
                   <a:sysClr val="windowText" lastClr="000000"/>
                 </a:solidFill>
@@ -7674,7 +7621,7 @@
           <a:p>
             <a:pPr algn="ctr"/>
             <a:r>
-              <a:rPr lang="en-US" sz="1400" dirty="0" smtClean="0">
+              <a:rPr lang="en-US" sz="1400" dirty="0">
                 <a:solidFill>
                   <a:sysClr val="windowText" lastClr="000000"/>
                 </a:solidFill>
@@ -7685,7 +7632,7 @@
           <a:p>
             <a:pPr algn="ctr"/>
             <a:r>
-              <a:rPr lang="en-US" sz="1400" dirty="0" smtClean="0">
+              <a:rPr lang="en-US" sz="1400" dirty="0">
                 <a:solidFill>
                   <a:sysClr val="windowText" lastClr="000000"/>
                 </a:solidFill>
@@ -7743,7 +7690,7 @@
           <a:p>
             <a:pPr algn="ctr"/>
             <a:r>
-              <a:rPr lang="en-US" sz="1400" dirty="0" smtClean="0">
+              <a:rPr lang="en-US" sz="1400" dirty="0">
                 <a:solidFill>
                   <a:sysClr val="windowText" lastClr="000000"/>
                 </a:solidFill>
@@ -7754,7 +7701,7 @@
           <a:p>
             <a:pPr algn="ctr"/>
             <a:r>
-              <a:rPr lang="en-US" sz="1400" dirty="0" smtClean="0">
+              <a:rPr lang="en-US" sz="1400" dirty="0">
                 <a:solidFill>
                   <a:sysClr val="windowText" lastClr="000000"/>
                 </a:solidFill>
@@ -7812,7 +7759,7 @@
           <a:p>
             <a:pPr algn="ctr"/>
             <a:r>
-              <a:rPr lang="en-US" sz="1400" dirty="0" smtClean="0">
+              <a:rPr lang="en-US" sz="1400" dirty="0">
                 <a:solidFill>
                   <a:sysClr val="windowText" lastClr="000000"/>
                 </a:solidFill>
@@ -7823,7 +7770,7 @@
           <a:p>
             <a:pPr algn="ctr"/>
             <a:r>
-              <a:rPr lang="en-US" sz="1400" dirty="0" smtClean="0">
+              <a:rPr lang="en-US" sz="1400" dirty="0">
                 <a:solidFill>
                   <a:sysClr val="windowText" lastClr="000000"/>
                 </a:solidFill>
@@ -7834,7 +7781,7 @@
           <a:p>
             <a:pPr algn="ctr"/>
             <a:r>
-              <a:rPr lang="en-US" sz="1400" i="1" dirty="0" smtClean="0">
+              <a:rPr lang="en-US" sz="1400" i="1" dirty="0">
                 <a:solidFill>
                   <a:sysClr val="windowText" lastClr="000000"/>
                 </a:solidFill>
@@ -7891,7 +7838,7 @@
           <a:lstStyle/>
           <a:p>
             <a:pPr algn="ctr"/>
-            <a:endParaRPr lang="en-US" sz="1400" dirty="0" smtClean="0">
+            <a:endParaRPr lang="en-US" sz="1400" dirty="0">
               <a:solidFill>
                 <a:sysClr val="windowText" lastClr="000000"/>
               </a:solidFill>
@@ -7922,10 +7869,9 @@
           <a:lstStyle/>
           <a:p>
             <a:r>
-              <a:rPr lang="en-US" b="1" dirty="0" smtClean="0"/>
+              <a:rPr lang="en-US" b="1" dirty="0"/>
               <a:t>= Sample</a:t>
             </a:r>
-            <a:endParaRPr lang="en-US" b="1" dirty="0"/>
           </a:p>
         </p:txBody>
       </p:sp>
@@ -7952,10 +7898,9 @@
           <a:lstStyle/>
           <a:p>
             <a:r>
-              <a:rPr lang="en-US" b="1" dirty="0" smtClean="0"/>
+              <a:rPr lang="en-US" b="1" dirty="0"/>
               <a:t>= Do Not Sample</a:t>
             </a:r>
-            <a:endParaRPr lang="en-US" b="1" dirty="0"/>
           </a:p>
         </p:txBody>
       </p:sp>
@@ -8006,7 +7951,7 @@
           <a:lstStyle/>
           <a:p>
             <a:pPr algn="ctr"/>
-            <a:endParaRPr lang="en-US" sz="1400" dirty="0" smtClean="0">
+            <a:endParaRPr lang="en-US" sz="1400" dirty="0">
               <a:solidFill>
                 <a:sysClr val="windowText" lastClr="000000"/>
               </a:solidFill>
@@ -8062,7 +8007,7 @@
           <a:p>
             <a:pPr algn="ctr"/>
             <a:r>
-              <a:rPr lang="en-US" sz="1400" dirty="0" smtClean="0">
+              <a:rPr lang="en-US" sz="1400" dirty="0">
                 <a:solidFill>
                   <a:sysClr val="windowText" lastClr="000000"/>
                 </a:solidFill>
@@ -8120,7 +8065,7 @@
           <a:p>
             <a:pPr algn="ctr"/>
             <a:r>
-              <a:rPr lang="en-US" sz="1400" dirty="0" smtClean="0">
+              <a:rPr lang="en-US" sz="1400" dirty="0">
                 <a:solidFill>
                   <a:sysClr val="windowText" lastClr="000000"/>
                 </a:solidFill>
@@ -8131,7 +8076,7 @@
           <a:p>
             <a:pPr algn="ctr"/>
             <a:r>
-              <a:rPr lang="en-US" sz="1400" dirty="0" smtClean="0">
+              <a:rPr lang="en-US" sz="1400" dirty="0">
                 <a:solidFill>
                   <a:sysClr val="windowText" lastClr="000000"/>
                 </a:solidFill>
@@ -8259,7 +8204,7 @@
           <a:p>
             <a:pPr algn="ctr"/>
             <a:r>
-              <a:rPr lang="en-US" sz="1400" dirty="0" smtClean="0">
+              <a:rPr lang="en-US" sz="1400" dirty="0">
                 <a:solidFill>
                   <a:sysClr val="windowText" lastClr="000000"/>
                 </a:solidFill>
@@ -8270,7 +8215,7 @@
           <a:p>
             <a:pPr algn="ctr"/>
             <a:r>
-              <a:rPr lang="en-US" sz="1400" dirty="0" smtClean="0">
+              <a:rPr lang="en-US" sz="1400" dirty="0">
                 <a:solidFill>
                   <a:sysClr val="windowText" lastClr="000000"/>
                 </a:solidFill>
@@ -8336,26 +8281,9 @@
               <a:buNone/>
             </a:pPr>
             <a:r>
-              <a:rPr lang="en-US" dirty="0" smtClean="0"/>
-              <a:t>Schematic showing experimental design. Three sampling events occur during the experiment. Green boxes represent each group of 16 hives sampled during the specified sampling event. Slashed red boxes represent each group of 16 hives not sampled during that sampling event. Three experimental groups (Stationary Group [control], Migratory Group, and Exposed Group) are spread across three separate yards throughout the experiment: The Stationary Yard (where all groups begin and the Stationary </a:t>
-            </a:r>
-            <a:r>
               <a:rPr lang="en-US" dirty="0"/>
-              <a:t>G</a:t>
-            </a:r>
-            <a:r>
-              <a:rPr lang="en-US" dirty="0" smtClean="0"/>
-              <a:t>roup remains for the duration of the experiment), the Migratory Holding Yard (where the Migratory Group is temporarily brought upon return from CA for sampling event 2), and the Exposed Yard (where the Exposed </a:t>
-            </a:r>
-            <a:r>
-              <a:rPr lang="en-US" dirty="0"/>
-              <a:t>G</a:t>
-            </a:r>
-            <a:r>
-              <a:rPr lang="en-US" dirty="0" smtClean="0"/>
-              <a:t>roup is exposed to the Migratory Group). Arrows represent beekeeper tasks that occur between each sampling event.</a:t>
-            </a:r>
-            <a:endParaRPr lang="en-US" dirty="0"/>
+              <a:t>Schematic showing experimental design. Three sampling events occur during the experiment. Green boxes represent each group of 16 hives sampled during the specified sampling event. Slashed red boxes represent each group of 16 hives not sampled during that sampling event. Three experimental groups (Stationary Group [control], Migratory Group, and Exposed Group) are spread across three separate yards throughout the experiment: The Stationary Yard (where all groups begin and the Stationary Group remains for the duration of the experiment), the Migratory Holding Yard (where the Migratory Group is temporarily brought upon return from CA for sampling event 2), and the Exposed Yard (where the Exposed Group is exposed to the Migratory Group). Arrows represent beekeeper tasks that occur between each sampling event.</a:t>
+            </a:r>
           </a:p>
         </p:txBody>
       </p:sp>
@@ -8627,7 +8555,7 @@
   <a:extraClrSchemeLst/>
   <a:extLst>
     <a:ext uri="{05A4C25C-085E-4340-85A3-A5531E510DB2}">
-      <thm15:themeFamily xmlns="" xmlns:thm15="http://schemas.microsoft.com/office/thememl/2012/main" name="Office Theme" id="{62F939B6-93AF-4DB8-9C6B-D6C7DFDC589F}" vid="{4A3C46E8-61CC-4603-A589-7422A47A8E4A}"/>
+      <thm15:themeFamily xmlns:thm15="http://schemas.microsoft.com/office/thememl/2012/main" name="Office Theme" id="{62F939B6-93AF-4DB8-9C6B-D6C7DFDC589F}" vid="{4A3C46E8-61CC-4603-A589-7422A47A8E4A}"/>
     </a:ext>
   </a:extLst>
 </a:theme>
